--- a/docs/diagrams/ModelComponentClassDiagram.pptx
+++ b/docs/diagrams/ModelComponentClassDiagram.pptx
@@ -107,22 +107,6 @@
       </a:defRPr>
     </a:lvl9pPr>
   </p:defaultTextStyle>
-  <p:extLst>
-    <p:ext uri="{EFAFB233-063F-42B5-8137-9DF3F51BA10A}">
-      <p15:sldGuideLst xmlns:p15="http://schemas.microsoft.com/office/powerpoint/2012/main">
-        <p15:guide id="1" orient="horz" pos="1488">
-          <p15:clr>
-            <a:srgbClr val="A4A3A4"/>
-          </p15:clr>
-        </p15:guide>
-        <p15:guide id="2" pos="2880">
-          <p15:clr>
-            <a:srgbClr val="A4A3A4"/>
-          </p15:clr>
-        </p15:guide>
-      </p15:sldGuideLst>
-    </p:ext>
-  </p:extLst>
 </p:presentation>
 </file>
 
@@ -208,7 +192,7 @@
           <a:p>
             <a:fld id="{F5CC4B3F-88C1-4FFA-B1B6-F41C21DC6924}" type="datetimeFigureOut">
               <a:rPr lang="en-US" smtClean="0"/>
-              <a:t>3/22/17</a:t>
+              <a:t>11/19/2016</a:t>
             </a:fld>
             <a:endParaRPr lang="en-US"/>
           </a:p>
@@ -657,7 +641,7 @@
           <a:p>
             <a:fld id="{78C97017-6FC3-485B-9764-EAC9E56C1D49}" type="datetimeFigureOut">
               <a:rPr lang="en-US" smtClean="0"/>
-              <a:t>3/22/17</a:t>
+              <a:t>11/19/2016</a:t>
             </a:fld>
             <a:endParaRPr lang="en-US"/>
           </a:p>
@@ -827,7 +811,7 @@
           <a:p>
             <a:fld id="{78C97017-6FC3-485B-9764-EAC9E56C1D49}" type="datetimeFigureOut">
               <a:rPr lang="en-US" smtClean="0"/>
-              <a:t>3/22/17</a:t>
+              <a:t>11/19/2016</a:t>
             </a:fld>
             <a:endParaRPr lang="en-US"/>
           </a:p>
@@ -1007,7 +991,7 @@
           <a:p>
             <a:fld id="{78C97017-6FC3-485B-9764-EAC9E56C1D49}" type="datetimeFigureOut">
               <a:rPr lang="en-US" smtClean="0"/>
-              <a:t>3/22/17</a:t>
+              <a:t>11/19/2016</a:t>
             </a:fld>
             <a:endParaRPr lang="en-US"/>
           </a:p>
@@ -1177,7 +1161,7 @@
           <a:p>
             <a:fld id="{78C97017-6FC3-485B-9764-EAC9E56C1D49}" type="datetimeFigureOut">
               <a:rPr lang="en-US" smtClean="0"/>
-              <a:t>3/22/17</a:t>
+              <a:t>11/19/2016</a:t>
             </a:fld>
             <a:endParaRPr lang="en-US"/>
           </a:p>
@@ -1423,7 +1407,7 @@
           <a:p>
             <a:fld id="{78C97017-6FC3-485B-9764-EAC9E56C1D49}" type="datetimeFigureOut">
               <a:rPr lang="en-US" smtClean="0"/>
-              <a:t>3/22/17</a:t>
+              <a:t>11/19/2016</a:t>
             </a:fld>
             <a:endParaRPr lang="en-US"/>
           </a:p>
@@ -1711,7 +1695,7 @@
           <a:p>
             <a:fld id="{78C97017-6FC3-485B-9764-EAC9E56C1D49}" type="datetimeFigureOut">
               <a:rPr lang="en-US" smtClean="0"/>
-              <a:t>3/22/17</a:t>
+              <a:t>11/19/2016</a:t>
             </a:fld>
             <a:endParaRPr lang="en-US"/>
           </a:p>
@@ -2133,7 +2117,7 @@
           <a:p>
             <a:fld id="{78C97017-6FC3-485B-9764-EAC9E56C1D49}" type="datetimeFigureOut">
               <a:rPr lang="en-US" smtClean="0"/>
-              <a:t>3/22/17</a:t>
+              <a:t>11/19/2016</a:t>
             </a:fld>
             <a:endParaRPr lang="en-US"/>
           </a:p>
@@ -2251,7 +2235,7 @@
           <a:p>
             <a:fld id="{78C97017-6FC3-485B-9764-EAC9E56C1D49}" type="datetimeFigureOut">
               <a:rPr lang="en-US" smtClean="0"/>
-              <a:t>3/22/17</a:t>
+              <a:t>11/19/2016</a:t>
             </a:fld>
             <a:endParaRPr lang="en-US"/>
           </a:p>
@@ -2346,7 +2330,7 @@
           <a:p>
             <a:fld id="{78C97017-6FC3-485B-9764-EAC9E56C1D49}" type="datetimeFigureOut">
               <a:rPr lang="en-US" smtClean="0"/>
-              <a:t>3/22/17</a:t>
+              <a:t>11/19/2016</a:t>
             </a:fld>
             <a:endParaRPr lang="en-US"/>
           </a:p>
@@ -2623,7 +2607,7 @@
           <a:p>
             <a:fld id="{78C97017-6FC3-485B-9764-EAC9E56C1D49}" type="datetimeFigureOut">
               <a:rPr lang="en-US" smtClean="0"/>
-              <a:t>3/22/17</a:t>
+              <a:t>11/19/2016</a:t>
             </a:fld>
             <a:endParaRPr lang="en-US"/>
           </a:p>
@@ -2876,7 +2860,7 @@
           <a:p>
             <a:fld id="{78C97017-6FC3-485B-9764-EAC9E56C1D49}" type="datetimeFigureOut">
               <a:rPr lang="en-US" smtClean="0"/>
-              <a:t>3/22/17</a:t>
+              <a:t>11/19/2016</a:t>
             </a:fld>
             <a:endParaRPr lang="en-US"/>
           </a:p>
@@ -3089,7 +3073,7 @@
           <a:p>
             <a:fld id="{78C97017-6FC3-485B-9764-EAC9E56C1D49}" type="datetimeFigureOut">
               <a:rPr lang="en-US" smtClean="0"/>
-              <a:t>3/22/17</a:t>
+              <a:t>11/19/2016</a:t>
             </a:fld>
             <a:endParaRPr lang="en-US"/>
           </a:p>
@@ -3510,7 +3494,7 @@
           <a:lstStyle/>
           <a:p>
             <a:r>
-              <a:rPr lang="en-US" sz="1200" b="1" smtClean="0">
+              <a:rPr lang="en-US" sz="1200" b="1" dirty="0" smtClean="0">
                 <a:solidFill>
                   <a:srgbClr val="7030A0"/>
                 </a:solidFill>
@@ -4112,7 +4096,7 @@
                   <a:srgbClr val="7030A0"/>
                 </a:solidFill>
               </a:rPr>
-              <a:t>TaskManager</a:t>
+              <a:t>AddressBook</a:t>
             </a:r>
             <a:endParaRPr lang="en-SG" sz="1050" dirty="0">
               <a:solidFill>
@@ -4254,7 +4238,7 @@
                   <a:srgbClr val="7030A0"/>
                 </a:solidFill>
               </a:rPr>
-              <a:t>UniqueTaskList</a:t>
+              <a:t>UniquePersonList</a:t>
             </a:r>
             <a:endParaRPr lang="en-SG" sz="1050" dirty="0">
               <a:solidFill>
@@ -4354,14 +4338,14 @@
       </p:cxnSp>
       <p:sp>
         <p:nvSpPr>
-          <p:cNvPr id="62" name="Rectangle 8"/>
+          <p:cNvPr id="57" name="Rectangle 8"/>
           <p:cNvSpPr/>
           <p:nvPr/>
         </p:nvSpPr>
         <p:spPr>
           <a:xfrm>
-            <a:off x="6313677" y="2858066"/>
-            <a:ext cx="708186" cy="346760"/>
+            <a:off x="4477328" y="2280569"/>
+            <a:ext cx="1156969" cy="346760"/>
           </a:xfrm>
           <a:prstGeom prst="rect">
             <a:avLst/>
@@ -4393,12 +4377,12 @@
           <a:p>
             <a:pPr algn="ctr"/>
             <a:r>
-              <a:rPr lang="en-US" sz="1050" dirty="0" smtClean="0">
+              <a:rPr lang="en-US" sz="1050" dirty="0" err="1" smtClean="0">
                 <a:solidFill>
                   <a:srgbClr val="7030A0"/>
                 </a:solidFill>
               </a:rPr>
-              <a:t>Task</a:t>
+              <a:t>UniqueTagList</a:t>
             </a:r>
             <a:endParaRPr lang="en-SG" sz="1050" dirty="0">
               <a:solidFill>
@@ -4408,67 +4392,24 @@
           </a:p>
         </p:txBody>
       </p:sp>
-      <p:sp>
-        <p:nvSpPr>
-          <p:cNvPr id="63" name="Flowchart: Decision 96"/>
-          <p:cNvSpPr/>
-          <p:nvPr/>
-        </p:nvSpPr>
-        <p:spPr>
-          <a:xfrm>
-            <a:off x="5643227" y="2943979"/>
-            <a:ext cx="236048" cy="173380"/>
-          </a:xfrm>
-          <a:prstGeom prst="flowChartDecision">
-            <a:avLst/>
-          </a:prstGeom>
-          <a:noFill/>
-          <a:ln w="19050">
-            <a:solidFill>
-              <a:srgbClr val="7030A0"/>
-            </a:solidFill>
-          </a:ln>
-          <a:effectLst/>
-        </p:spPr>
-        <p:style>
-          <a:lnRef idx="1">
-            <a:schemeClr val="accent6"/>
-          </a:lnRef>
-          <a:fillRef idx="2">
-            <a:schemeClr val="accent6"/>
-          </a:fillRef>
-          <a:effectRef idx="1">
-            <a:schemeClr val="accent6"/>
-          </a:effectRef>
-          <a:fontRef idx="minor">
-            <a:schemeClr val="dk1"/>
-          </a:fontRef>
-        </p:style>
-        <p:txBody>
-          <a:bodyPr rtlCol="0" anchor="ctr"/>
-          <a:lstStyle/>
-          <a:p>
-            <a:pPr algn="ctr"/>
-            <a:endParaRPr lang="en-US" sz="1050"/>
-          </a:p>
-        </p:txBody>
-      </p:sp>
       <p:cxnSp>
         <p:nvCxnSpPr>
-          <p:cNvPr id="64" name="Elbow Connector 63"/>
+          <p:cNvPr id="59" name="Elbow Connector 58"/>
           <p:cNvCxnSpPr>
-            <a:stCxn id="63" idx="3"/>
-            <a:endCxn id="62" idx="1"/>
+            <a:stCxn id="51" idx="3"/>
+            <a:endCxn id="57" idx="1"/>
           </p:cNvCxnSpPr>
           <p:nvPr/>
         </p:nvCxnSpPr>
         <p:spPr>
-          <a:xfrm>
-            <a:off x="5879275" y="3030669"/>
-            <a:ext cx="434402" cy="777"/>
+          <a:xfrm flipV="1">
+            <a:off x="4220351" y="2453949"/>
+            <a:ext cx="256977" cy="306732"/>
           </a:xfrm>
           <a:prstGeom prst="bentConnector3">
-            <a:avLst/>
+            <a:avLst>
+              <a:gd name="adj1" fmla="val 50000"/>
+            </a:avLst>
           </a:prstGeom>
           <a:ln w="19050">
             <a:solidFill>
@@ -4496,14 +4437,14 @@
       </p:cxnSp>
       <p:sp>
         <p:nvSpPr>
-          <p:cNvPr id="72" name="Rectangle 8"/>
+          <p:cNvPr id="62" name="Rectangle 8"/>
           <p:cNvSpPr/>
           <p:nvPr/>
         </p:nvSpPr>
         <p:spPr>
           <a:xfrm>
-            <a:off x="5128257" y="3429000"/>
-            <a:ext cx="1156969" cy="346760"/>
+            <a:off x="6313677" y="2858066"/>
+            <a:ext cx="708186" cy="346760"/>
           </a:xfrm>
           <a:prstGeom prst="rect">
             <a:avLst/>
@@ -4540,22 +4481,7 @@
                   <a:srgbClr val="7030A0"/>
                 </a:solidFill>
               </a:rPr>
-              <a:t>&lt;&lt;interface&gt;&gt;</a:t>
-            </a:r>
-            <a:br>
-              <a:rPr lang="en-US" sz="1050" dirty="0" smtClean="0">
-                <a:solidFill>
-                  <a:srgbClr val="7030A0"/>
-                </a:solidFill>
-              </a:rPr>
-            </a:br>
-            <a:r>
-              <a:rPr lang="en-US" sz="1050" dirty="0" err="1" smtClean="0">
-                <a:solidFill>
-                  <a:srgbClr val="7030A0"/>
-                </a:solidFill>
-              </a:rPr>
-              <a:t>ReadOnlyTask</a:t>
+              <a:t>Person</a:t>
             </a:r>
             <a:endParaRPr lang="en-SG" sz="1050" dirty="0">
               <a:solidFill>
@@ -4567,77 +4493,19 @@
       </p:sp>
       <p:sp>
         <p:nvSpPr>
-          <p:cNvPr id="76" name="Rectangle 8"/>
+          <p:cNvPr id="63" name="Flowchart: Decision 96"/>
           <p:cNvSpPr/>
           <p:nvPr/>
         </p:nvSpPr>
         <p:spPr>
           <a:xfrm>
-            <a:off x="7712397" y="2564238"/>
-            <a:ext cx="708186" cy="285783"/>
-          </a:xfrm>
-          <a:prstGeom prst="rect">
-            <a:avLst/>
-          </a:prstGeom>
-          <a:ln w="19050">
-            <a:solidFill>
-              <a:srgbClr val="7030A0"/>
-            </a:solidFill>
-          </a:ln>
-          <a:effectLst/>
-        </p:spPr>
-        <p:style>
-          <a:lnRef idx="1">
-            <a:schemeClr val="accent4"/>
-          </a:lnRef>
-          <a:fillRef idx="2">
-            <a:schemeClr val="accent4"/>
-          </a:fillRef>
-          <a:effectRef idx="1">
-            <a:schemeClr val="accent4"/>
-          </a:effectRef>
-          <a:fontRef idx="minor">
-            <a:schemeClr val="dk1"/>
-          </a:fontRef>
-        </p:style>
-        <p:txBody>
-          <a:bodyPr rtlCol="0" anchor="ctr"/>
-          <a:lstStyle/>
-          <a:p>
-            <a:pPr algn="ctr"/>
-            <a:r>
-              <a:rPr lang="en-US" sz="900" dirty="0" err="1" smtClean="0">
-                <a:solidFill>
-                  <a:srgbClr val="7030A0"/>
-                </a:solidFill>
-              </a:rPr>
-              <a:t>TaskName</a:t>
-            </a:r>
-            <a:endParaRPr lang="en-SG" sz="900" dirty="0">
-              <a:solidFill>
-                <a:srgbClr val="7030A0"/>
-              </a:solidFill>
-            </a:endParaRPr>
-          </a:p>
-        </p:txBody>
-      </p:sp>
-      <p:sp>
-        <p:nvSpPr>
-          <p:cNvPr id="78" name="Flowchart: Decision 96"/>
-          <p:cNvSpPr/>
-          <p:nvPr/>
-        </p:nvSpPr>
-        <p:spPr>
-          <a:xfrm>
-            <a:off x="7041947" y="2948201"/>
+            <a:off x="5643227" y="2943979"/>
             <a:ext cx="236048" cy="173380"/>
           </a:xfrm>
           <a:prstGeom prst="flowChartDecision">
             <a:avLst/>
           </a:prstGeom>
-          <a:solidFill>
-            <a:srgbClr val="7030A0"/>
-          </a:solidFill>
+          <a:noFill/>
           <a:ln w="19050">
             <a:solidFill>
               <a:srgbClr val="7030A0"/>
@@ -4670,17 +4538,17 @@
       </p:sp>
       <p:cxnSp>
         <p:nvCxnSpPr>
-          <p:cNvPr id="79" name="Elbow Connector 78"/>
+          <p:cNvPr id="64" name="Elbow Connector 63"/>
           <p:cNvCxnSpPr>
-            <a:stCxn id="78" idx="3"/>
-            <a:endCxn id="76" idx="1"/>
+            <a:stCxn id="63" idx="3"/>
+            <a:endCxn id="62" idx="1"/>
           </p:cNvCxnSpPr>
           <p:nvPr/>
         </p:nvCxnSpPr>
         <p:spPr>
-          <a:xfrm flipV="1">
-            <a:off x="7277995" y="2707130"/>
-            <a:ext cx="434402" cy="327761"/>
+          <a:xfrm>
+            <a:off x="5879275" y="3030669"/>
+            <a:ext cx="434402" cy="777"/>
           </a:xfrm>
           <a:prstGeom prst="bentConnector3">
             <a:avLst/>
@@ -4711,14 +4579,14 @@
       </p:cxnSp>
       <p:sp>
         <p:nvSpPr>
-          <p:cNvPr id="80" name="Rectangle 8"/>
+          <p:cNvPr id="67" name="Rectangle 8"/>
           <p:cNvSpPr/>
           <p:nvPr/>
         </p:nvSpPr>
         <p:spPr>
           <a:xfrm>
-            <a:off x="7712397" y="2887216"/>
-            <a:ext cx="708186" cy="285783"/>
+            <a:off x="5336105" y="1809332"/>
+            <a:ext cx="483700" cy="346760"/>
           </a:xfrm>
           <a:prstGeom prst="rect">
             <a:avLst/>
@@ -4755,7 +4623,7 @@
                   <a:srgbClr val="7030A0"/>
                 </a:solidFill>
               </a:rPr>
-              <a:t>Date</a:t>
+              <a:t>Tag</a:t>
             </a:r>
             <a:endParaRPr lang="en-SG" sz="1050" dirty="0">
               <a:solidFill>
@@ -4765,21 +4633,66 @@
           </a:p>
         </p:txBody>
       </p:sp>
+      <p:sp>
+        <p:nvSpPr>
+          <p:cNvPr id="68" name="Flowchart: Decision 96"/>
+          <p:cNvSpPr/>
+          <p:nvPr/>
+        </p:nvSpPr>
+        <p:spPr>
+          <a:xfrm rot="16200000">
+            <a:off x="4921666" y="2066540"/>
+            <a:ext cx="236048" cy="173380"/>
+          </a:xfrm>
+          <a:prstGeom prst="flowChartDecision">
+            <a:avLst/>
+          </a:prstGeom>
+          <a:noFill/>
+          <a:ln w="19050">
+            <a:solidFill>
+              <a:srgbClr val="7030A0"/>
+            </a:solidFill>
+          </a:ln>
+          <a:effectLst/>
+        </p:spPr>
+        <p:style>
+          <a:lnRef idx="1">
+            <a:schemeClr val="accent6"/>
+          </a:lnRef>
+          <a:fillRef idx="2">
+            <a:schemeClr val="accent6"/>
+          </a:fillRef>
+          <a:effectRef idx="1">
+            <a:schemeClr val="accent6"/>
+          </a:effectRef>
+          <a:fontRef idx="minor">
+            <a:schemeClr val="dk1"/>
+          </a:fontRef>
+        </p:style>
+        <p:txBody>
+          <a:bodyPr rtlCol="0" anchor="ctr"/>
+          <a:lstStyle/>
+          <a:p>
+            <a:pPr algn="ctr"/>
+            <a:endParaRPr lang="en-US" sz="1050"/>
+          </a:p>
+        </p:txBody>
+      </p:sp>
       <p:cxnSp>
         <p:nvCxnSpPr>
-          <p:cNvPr id="81" name="Elbow Connector 80"/>
+          <p:cNvPr id="69" name="Elbow Connector 68"/>
           <p:cNvCxnSpPr>
-            <a:stCxn id="78" idx="3"/>
-            <a:endCxn id="80" idx="1"/>
+            <a:stCxn id="68" idx="3"/>
+            <a:endCxn id="67" idx="1"/>
           </p:cNvCxnSpPr>
           <p:nvPr/>
         </p:nvCxnSpPr>
         <p:spPr>
-          <a:xfrm flipV="1">
-            <a:off x="7277995" y="3030108"/>
-            <a:ext cx="434402" cy="4783"/>
-          </a:xfrm>
-          <a:prstGeom prst="bentConnector3">
+          <a:xfrm rot="5400000" flipH="1" flipV="1">
+            <a:off x="5161650" y="1860752"/>
+            <a:ext cx="52494" cy="296415"/>
+          </a:xfrm>
+          <a:prstGeom prst="bentConnector2">
             <a:avLst/>
           </a:prstGeom>
           <a:ln w="19050">
@@ -4808,14 +4721,14 @@
       </p:cxnSp>
       <p:sp>
         <p:nvSpPr>
-          <p:cNvPr id="83" name="Rectangle 8"/>
+          <p:cNvPr id="72" name="Rectangle 8"/>
           <p:cNvSpPr/>
           <p:nvPr/>
         </p:nvSpPr>
         <p:spPr>
           <a:xfrm>
-            <a:off x="7712397" y="3210194"/>
-            <a:ext cx="708186" cy="285783"/>
+            <a:off x="5128257" y="3429000"/>
+            <a:ext cx="1156969" cy="346760"/>
           </a:xfrm>
           <a:prstGeom prst="rect">
             <a:avLst/>
@@ -4847,14 +4760,29 @@
           <a:p>
             <a:pPr algn="ctr"/>
             <a:r>
-              <a:rPr lang="en-US" sz="900" dirty="0" err="1" smtClean="0">
+              <a:rPr lang="en-US" sz="1050" dirty="0" smtClean="0">
                 <a:solidFill>
                   <a:srgbClr val="7030A0"/>
                 </a:solidFill>
               </a:rPr>
-              <a:t>StartTime</a:t>
-            </a:r>
-            <a:endParaRPr lang="en-SG" sz="900" dirty="0">
+              <a:t>&lt;&lt;interface&gt;&gt;</a:t>
+            </a:r>
+            <a:br>
+              <a:rPr lang="en-US" sz="1050" dirty="0" smtClean="0">
+                <a:solidFill>
+                  <a:srgbClr val="7030A0"/>
+                </a:solidFill>
+              </a:rPr>
+            </a:br>
+            <a:r>
+              <a:rPr lang="en-US" sz="1050" dirty="0" err="1" smtClean="0">
+                <a:solidFill>
+                  <a:srgbClr val="7030A0"/>
+                </a:solidFill>
+              </a:rPr>
+              <a:t>ReadOnlyPerson</a:t>
+            </a:r>
+            <a:endParaRPr lang="en-SG" sz="1050" dirty="0">
               <a:solidFill>
                 <a:srgbClr val="7030A0"/>
               </a:solidFill>
@@ -4862,19 +4790,122 @@
           </a:p>
         </p:txBody>
       </p:sp>
+      <p:sp>
+        <p:nvSpPr>
+          <p:cNvPr id="76" name="Rectangle 8"/>
+          <p:cNvSpPr/>
+          <p:nvPr/>
+        </p:nvSpPr>
+        <p:spPr>
+          <a:xfrm>
+            <a:off x="7712397" y="2564238"/>
+            <a:ext cx="708186" cy="285783"/>
+          </a:xfrm>
+          <a:prstGeom prst="rect">
+            <a:avLst/>
+          </a:prstGeom>
+          <a:ln w="19050">
+            <a:solidFill>
+              <a:srgbClr val="7030A0"/>
+            </a:solidFill>
+          </a:ln>
+          <a:effectLst/>
+        </p:spPr>
+        <p:style>
+          <a:lnRef idx="1">
+            <a:schemeClr val="accent4"/>
+          </a:lnRef>
+          <a:fillRef idx="2">
+            <a:schemeClr val="accent4"/>
+          </a:fillRef>
+          <a:effectRef idx="1">
+            <a:schemeClr val="accent4"/>
+          </a:effectRef>
+          <a:fontRef idx="minor">
+            <a:schemeClr val="dk1"/>
+          </a:fontRef>
+        </p:style>
+        <p:txBody>
+          <a:bodyPr rtlCol="0" anchor="ctr"/>
+          <a:lstStyle/>
+          <a:p>
+            <a:pPr algn="ctr"/>
+            <a:r>
+              <a:rPr lang="en-US" sz="1050" dirty="0" smtClean="0">
+                <a:solidFill>
+                  <a:srgbClr val="7030A0"/>
+                </a:solidFill>
+              </a:rPr>
+              <a:t>Name</a:t>
+            </a:r>
+            <a:endParaRPr lang="en-SG" sz="1050" dirty="0">
+              <a:solidFill>
+                <a:srgbClr val="7030A0"/>
+              </a:solidFill>
+            </a:endParaRPr>
+          </a:p>
+        </p:txBody>
+      </p:sp>
+      <p:sp>
+        <p:nvSpPr>
+          <p:cNvPr id="78" name="Flowchart: Decision 96"/>
+          <p:cNvSpPr/>
+          <p:nvPr/>
+        </p:nvSpPr>
+        <p:spPr>
+          <a:xfrm>
+            <a:off x="7041947" y="2948201"/>
+            <a:ext cx="236048" cy="173380"/>
+          </a:xfrm>
+          <a:prstGeom prst="flowChartDecision">
+            <a:avLst/>
+          </a:prstGeom>
+          <a:solidFill>
+            <a:srgbClr val="7030A0"/>
+          </a:solidFill>
+          <a:ln w="19050">
+            <a:solidFill>
+              <a:srgbClr val="7030A0"/>
+            </a:solidFill>
+          </a:ln>
+          <a:effectLst/>
+        </p:spPr>
+        <p:style>
+          <a:lnRef idx="1">
+            <a:schemeClr val="accent6"/>
+          </a:lnRef>
+          <a:fillRef idx="2">
+            <a:schemeClr val="accent6"/>
+          </a:fillRef>
+          <a:effectRef idx="1">
+            <a:schemeClr val="accent6"/>
+          </a:effectRef>
+          <a:fontRef idx="minor">
+            <a:schemeClr val="dk1"/>
+          </a:fontRef>
+        </p:style>
+        <p:txBody>
+          <a:bodyPr rtlCol="0" anchor="ctr"/>
+          <a:lstStyle/>
+          <a:p>
+            <a:pPr algn="ctr"/>
+            <a:endParaRPr lang="en-US" sz="1050"/>
+          </a:p>
+        </p:txBody>
+      </p:sp>
       <p:cxnSp>
         <p:nvCxnSpPr>
-          <p:cNvPr id="84" name="Elbow Connector 83"/>
+          <p:cNvPr id="79" name="Elbow Connector 78"/>
           <p:cNvCxnSpPr>
             <a:stCxn id="78" idx="3"/>
-            <a:endCxn id="83" idx="1"/>
+            <a:endCxn id="76" idx="1"/>
           </p:cNvCxnSpPr>
           <p:nvPr/>
         </p:nvCxnSpPr>
         <p:spPr>
-          <a:xfrm>
-            <a:off x="7277995" y="3034891"/>
-            <a:ext cx="434402" cy="318195"/>
+          <a:xfrm flipV="1">
+            <a:off x="7277995" y="2707130"/>
+            <a:ext cx="434402" cy="327761"/>
           </a:xfrm>
           <a:prstGeom prst="bentConnector3">
             <a:avLst/>
@@ -4905,13 +4936,13 @@
       </p:cxnSp>
       <p:sp>
         <p:nvSpPr>
-          <p:cNvPr id="85" name="Rectangle 8"/>
+          <p:cNvPr id="80" name="Rectangle 8"/>
           <p:cNvSpPr/>
           <p:nvPr/>
         </p:nvSpPr>
         <p:spPr>
           <a:xfrm>
-            <a:off x="7712397" y="3533171"/>
+            <a:off x="7712397" y="2887216"/>
             <a:ext cx="708186" cy="285783"/>
           </a:xfrm>
           <a:prstGeom prst="rect">
@@ -4944,12 +4975,206 @@
           <a:p>
             <a:pPr algn="ctr"/>
             <a:r>
-              <a:rPr lang="en-US" sz="1050" dirty="0" err="1" smtClean="0">
+              <a:rPr lang="en-US" sz="1050" dirty="0" smtClean="0">
                 <a:solidFill>
                   <a:srgbClr val="7030A0"/>
                 </a:solidFill>
               </a:rPr>
-              <a:t>EndTime</a:t>
+              <a:t>Phone</a:t>
+            </a:r>
+            <a:endParaRPr lang="en-SG" sz="1050" dirty="0">
+              <a:solidFill>
+                <a:srgbClr val="7030A0"/>
+              </a:solidFill>
+            </a:endParaRPr>
+          </a:p>
+        </p:txBody>
+      </p:sp>
+      <p:cxnSp>
+        <p:nvCxnSpPr>
+          <p:cNvPr id="81" name="Elbow Connector 80"/>
+          <p:cNvCxnSpPr>
+            <a:stCxn id="78" idx="3"/>
+            <a:endCxn id="80" idx="1"/>
+          </p:cNvCxnSpPr>
+          <p:nvPr/>
+        </p:nvCxnSpPr>
+        <p:spPr>
+          <a:xfrm flipV="1">
+            <a:off x="7277995" y="3030108"/>
+            <a:ext cx="434402" cy="4783"/>
+          </a:xfrm>
+          <a:prstGeom prst="bentConnector3">
+            <a:avLst/>
+          </a:prstGeom>
+          <a:ln w="19050">
+            <a:solidFill>
+              <a:srgbClr val="7030A0"/>
+            </a:solidFill>
+            <a:headEnd type="none" w="med" len="med"/>
+            <a:tailEnd type="arrow" w="med" len="med"/>
+          </a:ln>
+          <a:effectLst/>
+        </p:spPr>
+        <p:style>
+          <a:lnRef idx="1">
+            <a:schemeClr val="accent2"/>
+          </a:lnRef>
+          <a:fillRef idx="2">
+            <a:schemeClr val="accent2"/>
+          </a:fillRef>
+          <a:effectRef idx="1">
+            <a:schemeClr val="accent2"/>
+          </a:effectRef>
+          <a:fontRef idx="minor">
+            <a:schemeClr val="dk1"/>
+          </a:fontRef>
+        </p:style>
+      </p:cxnSp>
+      <p:sp>
+        <p:nvSpPr>
+          <p:cNvPr id="83" name="Rectangle 8"/>
+          <p:cNvSpPr/>
+          <p:nvPr/>
+        </p:nvSpPr>
+        <p:spPr>
+          <a:xfrm>
+            <a:off x="7712397" y="3210194"/>
+            <a:ext cx="708186" cy="285783"/>
+          </a:xfrm>
+          <a:prstGeom prst="rect">
+            <a:avLst/>
+          </a:prstGeom>
+          <a:ln w="19050">
+            <a:solidFill>
+              <a:srgbClr val="7030A0"/>
+            </a:solidFill>
+          </a:ln>
+          <a:effectLst/>
+        </p:spPr>
+        <p:style>
+          <a:lnRef idx="1">
+            <a:schemeClr val="accent4"/>
+          </a:lnRef>
+          <a:fillRef idx="2">
+            <a:schemeClr val="accent4"/>
+          </a:fillRef>
+          <a:effectRef idx="1">
+            <a:schemeClr val="accent4"/>
+          </a:effectRef>
+          <a:fontRef idx="minor">
+            <a:schemeClr val="dk1"/>
+          </a:fontRef>
+        </p:style>
+        <p:txBody>
+          <a:bodyPr rtlCol="0" anchor="ctr"/>
+          <a:lstStyle/>
+          <a:p>
+            <a:pPr algn="ctr"/>
+            <a:r>
+              <a:rPr lang="en-US" sz="1050" dirty="0" smtClean="0">
+                <a:solidFill>
+                  <a:srgbClr val="7030A0"/>
+                </a:solidFill>
+              </a:rPr>
+              <a:t>Email</a:t>
+            </a:r>
+            <a:endParaRPr lang="en-SG" sz="1050" dirty="0">
+              <a:solidFill>
+                <a:srgbClr val="7030A0"/>
+              </a:solidFill>
+            </a:endParaRPr>
+          </a:p>
+        </p:txBody>
+      </p:sp>
+      <p:cxnSp>
+        <p:nvCxnSpPr>
+          <p:cNvPr id="84" name="Elbow Connector 83"/>
+          <p:cNvCxnSpPr>
+            <a:stCxn id="78" idx="3"/>
+            <a:endCxn id="83" idx="1"/>
+          </p:cNvCxnSpPr>
+          <p:nvPr/>
+        </p:nvCxnSpPr>
+        <p:spPr>
+          <a:xfrm>
+            <a:off x="7277995" y="3034891"/>
+            <a:ext cx="434402" cy="318195"/>
+          </a:xfrm>
+          <a:prstGeom prst="bentConnector3">
+            <a:avLst/>
+          </a:prstGeom>
+          <a:ln w="19050">
+            <a:solidFill>
+              <a:srgbClr val="7030A0"/>
+            </a:solidFill>
+            <a:headEnd type="none" w="med" len="med"/>
+            <a:tailEnd type="arrow" w="med" len="med"/>
+          </a:ln>
+          <a:effectLst/>
+        </p:spPr>
+        <p:style>
+          <a:lnRef idx="1">
+            <a:schemeClr val="accent2"/>
+          </a:lnRef>
+          <a:fillRef idx="2">
+            <a:schemeClr val="accent2"/>
+          </a:fillRef>
+          <a:effectRef idx="1">
+            <a:schemeClr val="accent2"/>
+          </a:effectRef>
+          <a:fontRef idx="minor">
+            <a:schemeClr val="dk1"/>
+          </a:fontRef>
+        </p:style>
+      </p:cxnSp>
+      <p:sp>
+        <p:nvSpPr>
+          <p:cNvPr id="85" name="Rectangle 8"/>
+          <p:cNvSpPr/>
+          <p:nvPr/>
+        </p:nvSpPr>
+        <p:spPr>
+          <a:xfrm>
+            <a:off x="7712397" y="3533171"/>
+            <a:ext cx="708186" cy="285783"/>
+          </a:xfrm>
+          <a:prstGeom prst="rect">
+            <a:avLst/>
+          </a:prstGeom>
+          <a:ln w="19050">
+            <a:solidFill>
+              <a:srgbClr val="7030A0"/>
+            </a:solidFill>
+          </a:ln>
+          <a:effectLst/>
+        </p:spPr>
+        <p:style>
+          <a:lnRef idx="1">
+            <a:schemeClr val="accent4"/>
+          </a:lnRef>
+          <a:fillRef idx="2">
+            <a:schemeClr val="accent4"/>
+          </a:fillRef>
+          <a:effectRef idx="1">
+            <a:schemeClr val="accent4"/>
+          </a:effectRef>
+          <a:fontRef idx="minor">
+            <a:schemeClr val="dk1"/>
+          </a:fontRef>
+        </p:style>
+        <p:txBody>
+          <a:bodyPr rtlCol="0" anchor="ctr"/>
+          <a:lstStyle/>
+          <a:p>
+            <a:pPr algn="ctr"/>
+            <a:r>
+              <a:rPr lang="en-US" sz="1050" dirty="0" smtClean="0">
+                <a:solidFill>
+                  <a:srgbClr val="7030A0"/>
+                </a:solidFill>
+              </a:rPr>
+              <a:t>Address</a:t>
             </a:r>
             <a:endParaRPr lang="en-SG" sz="1050" dirty="0">
               <a:solidFill>
@@ -5152,7 +5377,7 @@
                   <a:srgbClr val="7030A0"/>
                 </a:solidFill>
               </a:rPr>
-              <a:t>ReadOnlyTaskManager</a:t>
+              <a:t>ReadOnlyAddressBook</a:t>
             </a:r>
             <a:endParaRPr lang="en-SG" sz="1050" dirty="0">
               <a:solidFill>
@@ -5322,306 +5547,19 @@
           </a:fontRef>
         </p:style>
       </p:cxnSp>
-      <p:sp>
-        <p:nvSpPr>
-          <p:cNvPr id="11" name="TextBox 10"/>
-          <p:cNvSpPr txBox="1"/>
-          <p:nvPr/>
-        </p:nvSpPr>
-        <p:spPr>
-          <a:xfrm>
-            <a:off x="4324972" y="2191228"/>
-            <a:ext cx="189257" cy="178683"/>
-          </a:xfrm>
-          <a:prstGeom prst="rect">
-            <a:avLst/>
-          </a:prstGeom>
-          <a:noFill/>
-        </p:spPr>
-        <p:txBody>
-          <a:bodyPr wrap="square" lIns="0" tIns="0" rIns="0" bIns="0" rtlCol="0">
-            <a:noAutofit/>
-          </a:bodyPr>
-          <a:lstStyle/>
-          <a:p>
-            <a:pPr algn="ctr"/>
-            <a:endParaRPr lang="en-SG" sz="1100" dirty="0">
-              <a:solidFill>
-                <a:srgbClr val="7030A0"/>
-              </a:solidFill>
-            </a:endParaRPr>
-          </a:p>
-        </p:txBody>
-      </p:sp>
-      <p:sp>
-        <p:nvSpPr>
-          <p:cNvPr id="54" name="TextBox 53"/>
-          <p:cNvSpPr txBox="1"/>
-          <p:nvPr/>
-        </p:nvSpPr>
-        <p:spPr>
-          <a:xfrm>
-            <a:off x="4324972" y="3058864"/>
-            <a:ext cx="189257" cy="178683"/>
-          </a:xfrm>
-          <a:prstGeom prst="rect">
-            <a:avLst/>
-          </a:prstGeom>
-          <a:noFill/>
-        </p:spPr>
-        <p:txBody>
-          <a:bodyPr wrap="square" lIns="0" tIns="0" rIns="0" bIns="0" rtlCol="0">
-            <a:noAutofit/>
-          </a:bodyPr>
-          <a:lstStyle/>
-          <a:p>
-            <a:pPr algn="ctr"/>
-            <a:r>
-              <a:rPr lang="en-US" sz="1100" dirty="0" smtClean="0">
-                <a:solidFill>
-                  <a:srgbClr val="7030A0"/>
-                </a:solidFill>
-              </a:rPr>
-              <a:t>1</a:t>
-            </a:r>
-            <a:endParaRPr lang="en-SG" sz="1100" dirty="0">
-              <a:solidFill>
-                <a:srgbClr val="7030A0"/>
-              </a:solidFill>
-            </a:endParaRPr>
-          </a:p>
-        </p:txBody>
-      </p:sp>
-      <p:sp>
-        <p:nvSpPr>
-          <p:cNvPr id="56" name="TextBox 55"/>
-          <p:cNvSpPr txBox="1"/>
-          <p:nvPr/>
-        </p:nvSpPr>
-        <p:spPr>
-          <a:xfrm>
-            <a:off x="5689761" y="2495413"/>
-            <a:ext cx="189257" cy="178683"/>
-          </a:xfrm>
-          <a:prstGeom prst="rect">
-            <a:avLst/>
-          </a:prstGeom>
-          <a:noFill/>
-        </p:spPr>
-        <p:txBody>
-          <a:bodyPr wrap="square" lIns="0" tIns="0" rIns="0" bIns="0" rtlCol="0">
-            <a:noAutofit/>
-          </a:bodyPr>
-          <a:lstStyle/>
-          <a:p>
-            <a:pPr algn="ctr"/>
-            <a:endParaRPr lang="en-SG" sz="1100" dirty="0">
-              <a:solidFill>
-                <a:srgbClr val="7030A0"/>
-              </a:solidFill>
-            </a:endParaRPr>
-          </a:p>
-        </p:txBody>
-      </p:sp>
-      <p:sp>
-        <p:nvSpPr>
-          <p:cNvPr id="60" name="TextBox 59"/>
-          <p:cNvSpPr txBox="1"/>
-          <p:nvPr/>
-        </p:nvSpPr>
-        <p:spPr>
-          <a:xfrm>
-            <a:off x="5163172" y="1778919"/>
-            <a:ext cx="189257" cy="178683"/>
-          </a:xfrm>
-          <a:prstGeom prst="rect">
-            <a:avLst/>
-          </a:prstGeom>
-          <a:noFill/>
-        </p:spPr>
-        <p:txBody>
-          <a:bodyPr wrap="square" lIns="0" tIns="0" rIns="0" bIns="0" rtlCol="0">
-            <a:noAutofit/>
-          </a:bodyPr>
-          <a:lstStyle/>
-          <a:p>
-            <a:pPr algn="ctr"/>
-            <a:endParaRPr lang="en-SG" sz="1100" dirty="0">
-              <a:solidFill>
-                <a:srgbClr val="7030A0"/>
-              </a:solidFill>
-            </a:endParaRPr>
-          </a:p>
-        </p:txBody>
-      </p:sp>
-      <p:sp>
-        <p:nvSpPr>
-          <p:cNvPr id="61" name="TextBox 60"/>
-          <p:cNvSpPr txBox="1"/>
-          <p:nvPr/>
-        </p:nvSpPr>
-        <p:spPr>
-          <a:xfrm>
-            <a:off x="6135256" y="3097917"/>
-            <a:ext cx="189257" cy="178683"/>
-          </a:xfrm>
-          <a:prstGeom prst="rect">
-            <a:avLst/>
-          </a:prstGeom>
-          <a:noFill/>
-        </p:spPr>
-        <p:txBody>
-          <a:bodyPr wrap="square" lIns="0" tIns="0" rIns="0" bIns="0" rtlCol="0">
-            <a:noAutofit/>
-          </a:bodyPr>
-          <a:lstStyle/>
-          <a:p>
-            <a:pPr algn="ctr"/>
-            <a:r>
-              <a:rPr lang="en-US" sz="1100" dirty="0" smtClean="0">
-                <a:solidFill>
-                  <a:srgbClr val="7030A0"/>
-                </a:solidFill>
-              </a:rPr>
-              <a:t>*</a:t>
-            </a:r>
-            <a:endParaRPr lang="en-SG" sz="1100" dirty="0">
-              <a:solidFill>
-                <a:srgbClr val="7030A0"/>
-              </a:solidFill>
-            </a:endParaRPr>
-          </a:p>
-        </p:txBody>
-      </p:sp>
-      <p:sp>
-        <p:nvSpPr>
-          <p:cNvPr id="65" name="TextBox 64"/>
-          <p:cNvSpPr txBox="1"/>
-          <p:nvPr/>
-        </p:nvSpPr>
-        <p:spPr>
-          <a:xfrm>
-            <a:off x="2687923" y="2564238"/>
-            <a:ext cx="189257" cy="178683"/>
-          </a:xfrm>
-          <a:prstGeom prst="rect">
-            <a:avLst/>
-          </a:prstGeom>
-          <a:noFill/>
-        </p:spPr>
-        <p:txBody>
-          <a:bodyPr wrap="square" lIns="0" tIns="0" rIns="0" bIns="0" rtlCol="0">
-            <a:noAutofit/>
-          </a:bodyPr>
-          <a:lstStyle/>
-          <a:p>
-            <a:pPr algn="ctr"/>
-            <a:r>
-              <a:rPr lang="en-US" sz="1100" dirty="0" smtClean="0">
-                <a:solidFill>
-                  <a:srgbClr val="7030A0"/>
-                </a:solidFill>
-              </a:rPr>
-              <a:t>1</a:t>
-            </a:r>
-            <a:endParaRPr lang="en-SG" sz="1100" dirty="0">
-              <a:solidFill>
-                <a:srgbClr val="7030A0"/>
-              </a:solidFill>
-            </a:endParaRPr>
-          </a:p>
-        </p:txBody>
-      </p:sp>
-      <p:sp>
-        <p:nvSpPr>
-          <p:cNvPr id="66" name="TextBox 65"/>
-          <p:cNvSpPr txBox="1"/>
-          <p:nvPr/>
-        </p:nvSpPr>
-        <p:spPr>
-          <a:xfrm>
-            <a:off x="2656370" y="3386050"/>
-            <a:ext cx="189257" cy="178683"/>
-          </a:xfrm>
-          <a:prstGeom prst="rect">
-            <a:avLst/>
-          </a:prstGeom>
-          <a:noFill/>
-        </p:spPr>
-        <p:txBody>
-          <a:bodyPr wrap="square" lIns="0" tIns="0" rIns="0" bIns="0" rtlCol="0">
-            <a:noAutofit/>
-          </a:bodyPr>
-          <a:lstStyle/>
-          <a:p>
-            <a:pPr algn="ctr"/>
-            <a:r>
-              <a:rPr lang="en-US" sz="1100" dirty="0" smtClean="0">
-                <a:solidFill>
-                  <a:srgbClr val="7030A0"/>
-                </a:solidFill>
-              </a:rPr>
-              <a:t>1</a:t>
-            </a:r>
-            <a:endParaRPr lang="en-SG" sz="1100" dirty="0">
-              <a:solidFill>
-                <a:srgbClr val="7030A0"/>
-              </a:solidFill>
-            </a:endParaRPr>
-          </a:p>
-        </p:txBody>
-      </p:sp>
-      <p:sp>
-        <p:nvSpPr>
-          <p:cNvPr id="70" name="TextBox 69"/>
-          <p:cNvSpPr txBox="1"/>
-          <p:nvPr/>
-        </p:nvSpPr>
-        <p:spPr>
-          <a:xfrm>
-            <a:off x="6667770" y="3210194"/>
-            <a:ext cx="189257" cy="178683"/>
-          </a:xfrm>
-          <a:prstGeom prst="rect">
-            <a:avLst/>
-          </a:prstGeom>
-          <a:noFill/>
-        </p:spPr>
-        <p:txBody>
-          <a:bodyPr wrap="square" lIns="0" tIns="0" rIns="0" bIns="0" rtlCol="0">
-            <a:noAutofit/>
-          </a:bodyPr>
-          <a:lstStyle/>
-          <a:p>
-            <a:pPr algn="ctr"/>
-            <a:r>
-              <a:rPr lang="en-US" sz="1100" dirty="0" smtClean="0">
-                <a:solidFill>
-                  <a:srgbClr val="7030A0"/>
-                </a:solidFill>
-              </a:rPr>
-              <a:t>1</a:t>
-            </a:r>
-            <a:endParaRPr lang="en-SG" sz="1100" dirty="0">
-              <a:solidFill>
-                <a:srgbClr val="7030A0"/>
-              </a:solidFill>
-            </a:endParaRPr>
-          </a:p>
-        </p:txBody>
-      </p:sp>
       <p:cxnSp>
         <p:nvCxnSpPr>
-          <p:cNvPr id="77" name="Elbow Connector 76"/>
+          <p:cNvPr id="50" name="Elbow Connector 49"/>
           <p:cNvCxnSpPr>
-            <a:endCxn id="88" idx="1"/>
+            <a:stCxn id="62" idx="0"/>
+            <a:endCxn id="57" idx="3"/>
           </p:cNvCxnSpPr>
           <p:nvPr/>
         </p:nvCxnSpPr>
         <p:spPr>
-          <a:xfrm rot="16200000" flipH="1">
-            <a:off x="7142824" y="3443463"/>
-            <a:ext cx="919624" cy="214881"/>
+          <a:xfrm rot="16200000" flipV="1">
+            <a:off x="5948976" y="2139271"/>
+            <a:ext cx="404117" cy="1033473"/>
           </a:xfrm>
           <a:prstGeom prst="bentConnector2">
             <a:avLst/>
@@ -5652,53 +5590,309 @@
       </p:cxnSp>
       <p:sp>
         <p:nvSpPr>
-          <p:cNvPr id="88" name="Rectangle 8"/>
-          <p:cNvSpPr/>
+          <p:cNvPr id="11" name="TextBox 10"/>
+          <p:cNvSpPr txBox="1"/>
           <p:nvPr/>
         </p:nvSpPr>
         <p:spPr>
           <a:xfrm>
-            <a:off x="7710077" y="3867824"/>
-            <a:ext cx="708186" cy="285783"/>
+            <a:off x="4324972" y="2191228"/>
+            <a:ext cx="189257" cy="178683"/>
           </a:xfrm>
           <a:prstGeom prst="rect">
             <a:avLst/>
           </a:prstGeom>
-          <a:ln w="19050">
-            <a:solidFill>
-              <a:srgbClr val="7030A0"/>
-            </a:solidFill>
-          </a:ln>
-          <a:effectLst/>
-        </p:spPr>
-        <p:style>
-          <a:lnRef idx="1">
-            <a:schemeClr val="accent4"/>
-          </a:lnRef>
-          <a:fillRef idx="2">
-            <a:schemeClr val="accent4"/>
-          </a:fillRef>
-          <a:effectRef idx="1">
-            <a:schemeClr val="accent4"/>
-          </a:effectRef>
-          <a:fontRef idx="minor">
-            <a:schemeClr val="dk1"/>
-          </a:fontRef>
-        </p:style>
-        <p:txBody>
-          <a:bodyPr rtlCol="0" anchor="ctr"/>
+          <a:noFill/>
+        </p:spPr>
+        <p:txBody>
+          <a:bodyPr wrap="square" lIns="0" tIns="0" rIns="0" bIns="0" rtlCol="0">
+            <a:noAutofit/>
+          </a:bodyPr>
           <a:lstStyle/>
           <a:p>
             <a:pPr algn="ctr"/>
             <a:r>
-              <a:rPr lang="en-US" sz="900" dirty="0" smtClean="0">
+              <a:rPr lang="en-US" sz="1100" dirty="0" smtClean="0">
                 <a:solidFill>
                   <a:srgbClr val="7030A0"/>
                 </a:solidFill>
               </a:rPr>
-              <a:t>Message</a:t>
-            </a:r>
-            <a:endParaRPr lang="en-SG" sz="900" dirty="0">
+              <a:t>1</a:t>
+            </a:r>
+            <a:endParaRPr lang="en-SG" sz="1100" dirty="0">
+              <a:solidFill>
+                <a:srgbClr val="7030A0"/>
+              </a:solidFill>
+            </a:endParaRPr>
+          </a:p>
+        </p:txBody>
+      </p:sp>
+      <p:sp>
+        <p:nvSpPr>
+          <p:cNvPr id="54" name="TextBox 53"/>
+          <p:cNvSpPr txBox="1"/>
+          <p:nvPr/>
+        </p:nvSpPr>
+        <p:spPr>
+          <a:xfrm>
+            <a:off x="4324972" y="3058864"/>
+            <a:ext cx="189257" cy="178683"/>
+          </a:xfrm>
+          <a:prstGeom prst="rect">
+            <a:avLst/>
+          </a:prstGeom>
+          <a:noFill/>
+        </p:spPr>
+        <p:txBody>
+          <a:bodyPr wrap="square" lIns="0" tIns="0" rIns="0" bIns="0" rtlCol="0">
+            <a:noAutofit/>
+          </a:bodyPr>
+          <a:lstStyle/>
+          <a:p>
+            <a:pPr algn="ctr"/>
+            <a:r>
+              <a:rPr lang="en-US" sz="1100" dirty="0" smtClean="0">
+                <a:solidFill>
+                  <a:srgbClr val="7030A0"/>
+                </a:solidFill>
+              </a:rPr>
+              <a:t>1</a:t>
+            </a:r>
+            <a:endParaRPr lang="en-SG" sz="1100" dirty="0">
+              <a:solidFill>
+                <a:srgbClr val="7030A0"/>
+              </a:solidFill>
+            </a:endParaRPr>
+          </a:p>
+        </p:txBody>
+      </p:sp>
+      <p:sp>
+        <p:nvSpPr>
+          <p:cNvPr id="56" name="TextBox 55"/>
+          <p:cNvSpPr txBox="1"/>
+          <p:nvPr/>
+        </p:nvSpPr>
+        <p:spPr>
+          <a:xfrm>
+            <a:off x="5689761" y="2495413"/>
+            <a:ext cx="189257" cy="178683"/>
+          </a:xfrm>
+          <a:prstGeom prst="rect">
+            <a:avLst/>
+          </a:prstGeom>
+          <a:noFill/>
+        </p:spPr>
+        <p:txBody>
+          <a:bodyPr wrap="square" lIns="0" tIns="0" rIns="0" bIns="0" rtlCol="0">
+            <a:noAutofit/>
+          </a:bodyPr>
+          <a:lstStyle/>
+          <a:p>
+            <a:pPr algn="ctr"/>
+            <a:r>
+              <a:rPr lang="en-US" sz="1100" dirty="0" smtClean="0">
+                <a:solidFill>
+                  <a:srgbClr val="7030A0"/>
+                </a:solidFill>
+              </a:rPr>
+              <a:t>1</a:t>
+            </a:r>
+            <a:endParaRPr lang="en-SG" sz="1100" dirty="0">
+              <a:solidFill>
+                <a:srgbClr val="7030A0"/>
+              </a:solidFill>
+            </a:endParaRPr>
+          </a:p>
+        </p:txBody>
+      </p:sp>
+      <p:sp>
+        <p:nvSpPr>
+          <p:cNvPr id="60" name="TextBox 59"/>
+          <p:cNvSpPr txBox="1"/>
+          <p:nvPr/>
+        </p:nvSpPr>
+        <p:spPr>
+          <a:xfrm>
+            <a:off x="5163172" y="1778919"/>
+            <a:ext cx="189257" cy="178683"/>
+          </a:xfrm>
+          <a:prstGeom prst="rect">
+            <a:avLst/>
+          </a:prstGeom>
+          <a:noFill/>
+        </p:spPr>
+        <p:txBody>
+          <a:bodyPr wrap="square" lIns="0" tIns="0" rIns="0" bIns="0" rtlCol="0">
+            <a:noAutofit/>
+          </a:bodyPr>
+          <a:lstStyle/>
+          <a:p>
+            <a:pPr algn="ctr"/>
+            <a:r>
+              <a:rPr lang="en-US" sz="1100" dirty="0" smtClean="0">
+                <a:solidFill>
+                  <a:srgbClr val="7030A0"/>
+                </a:solidFill>
+              </a:rPr>
+              <a:t>*</a:t>
+            </a:r>
+            <a:endParaRPr lang="en-SG" sz="1100" dirty="0">
+              <a:solidFill>
+                <a:srgbClr val="7030A0"/>
+              </a:solidFill>
+            </a:endParaRPr>
+          </a:p>
+        </p:txBody>
+      </p:sp>
+      <p:sp>
+        <p:nvSpPr>
+          <p:cNvPr id="61" name="TextBox 60"/>
+          <p:cNvSpPr txBox="1"/>
+          <p:nvPr/>
+        </p:nvSpPr>
+        <p:spPr>
+          <a:xfrm>
+            <a:off x="6135256" y="3097917"/>
+            <a:ext cx="189257" cy="178683"/>
+          </a:xfrm>
+          <a:prstGeom prst="rect">
+            <a:avLst/>
+          </a:prstGeom>
+          <a:noFill/>
+        </p:spPr>
+        <p:txBody>
+          <a:bodyPr wrap="square" lIns="0" tIns="0" rIns="0" bIns="0" rtlCol="0">
+            <a:noAutofit/>
+          </a:bodyPr>
+          <a:lstStyle/>
+          <a:p>
+            <a:pPr algn="ctr"/>
+            <a:r>
+              <a:rPr lang="en-US" sz="1100" dirty="0" smtClean="0">
+                <a:solidFill>
+                  <a:srgbClr val="7030A0"/>
+                </a:solidFill>
+              </a:rPr>
+              <a:t>*</a:t>
+            </a:r>
+            <a:endParaRPr lang="en-SG" sz="1100" dirty="0">
+              <a:solidFill>
+                <a:srgbClr val="7030A0"/>
+              </a:solidFill>
+            </a:endParaRPr>
+          </a:p>
+        </p:txBody>
+      </p:sp>
+      <p:sp>
+        <p:nvSpPr>
+          <p:cNvPr id="65" name="TextBox 64"/>
+          <p:cNvSpPr txBox="1"/>
+          <p:nvPr/>
+        </p:nvSpPr>
+        <p:spPr>
+          <a:xfrm>
+            <a:off x="2687923" y="2564238"/>
+            <a:ext cx="189257" cy="178683"/>
+          </a:xfrm>
+          <a:prstGeom prst="rect">
+            <a:avLst/>
+          </a:prstGeom>
+          <a:noFill/>
+        </p:spPr>
+        <p:txBody>
+          <a:bodyPr wrap="square" lIns="0" tIns="0" rIns="0" bIns="0" rtlCol="0">
+            <a:noAutofit/>
+          </a:bodyPr>
+          <a:lstStyle/>
+          <a:p>
+            <a:pPr algn="ctr"/>
+            <a:r>
+              <a:rPr lang="en-US" sz="1100" dirty="0" smtClean="0">
+                <a:solidFill>
+                  <a:srgbClr val="7030A0"/>
+                </a:solidFill>
+              </a:rPr>
+              <a:t>1</a:t>
+            </a:r>
+            <a:endParaRPr lang="en-SG" sz="1100" dirty="0">
+              <a:solidFill>
+                <a:srgbClr val="7030A0"/>
+              </a:solidFill>
+            </a:endParaRPr>
+          </a:p>
+        </p:txBody>
+      </p:sp>
+      <p:sp>
+        <p:nvSpPr>
+          <p:cNvPr id="66" name="TextBox 65"/>
+          <p:cNvSpPr txBox="1"/>
+          <p:nvPr/>
+        </p:nvSpPr>
+        <p:spPr>
+          <a:xfrm>
+            <a:off x="2656370" y="3386050"/>
+            <a:ext cx="189257" cy="178683"/>
+          </a:xfrm>
+          <a:prstGeom prst="rect">
+            <a:avLst/>
+          </a:prstGeom>
+          <a:noFill/>
+        </p:spPr>
+        <p:txBody>
+          <a:bodyPr wrap="square" lIns="0" tIns="0" rIns="0" bIns="0" rtlCol="0">
+            <a:noAutofit/>
+          </a:bodyPr>
+          <a:lstStyle/>
+          <a:p>
+            <a:pPr algn="ctr"/>
+            <a:r>
+              <a:rPr lang="en-US" sz="1100" dirty="0" smtClean="0">
+                <a:solidFill>
+                  <a:srgbClr val="7030A0"/>
+                </a:solidFill>
+              </a:rPr>
+              <a:t>1</a:t>
+            </a:r>
+            <a:endParaRPr lang="en-SG" sz="1100" dirty="0">
+              <a:solidFill>
+                <a:srgbClr val="7030A0"/>
+              </a:solidFill>
+            </a:endParaRPr>
+          </a:p>
+        </p:txBody>
+      </p:sp>
+      <p:sp>
+        <p:nvSpPr>
+          <p:cNvPr id="70" name="TextBox 69"/>
+          <p:cNvSpPr txBox="1"/>
+          <p:nvPr/>
+        </p:nvSpPr>
+        <p:spPr>
+          <a:xfrm>
+            <a:off x="6667770" y="3210194"/>
+            <a:ext cx="189257" cy="178683"/>
+          </a:xfrm>
+          <a:prstGeom prst="rect">
+            <a:avLst/>
+          </a:prstGeom>
+          <a:noFill/>
+        </p:spPr>
+        <p:txBody>
+          <a:bodyPr wrap="square" lIns="0" tIns="0" rIns="0" bIns="0" rtlCol="0">
+            <a:noAutofit/>
+          </a:bodyPr>
+          <a:lstStyle/>
+          <a:p>
+            <a:pPr algn="ctr"/>
+            <a:r>
+              <a:rPr lang="en-US" sz="1100" dirty="0" smtClean="0">
+                <a:solidFill>
+                  <a:srgbClr val="7030A0"/>
+                </a:solidFill>
+              </a:rPr>
+              <a:t>1</a:t>
+            </a:r>
+            <a:endParaRPr lang="en-SG" sz="1100" dirty="0">
               <a:solidFill>
                 <a:srgbClr val="7030A0"/>
               </a:solidFill>
